--- a/LINQ/PPT/LINQ to Objects, Lambdas.pptx
+++ b/LINQ/PPT/LINQ to Objects, Lambdas.pptx
@@ -19110,54 +19110,6 @@
               </a:pPr>
               <a:t>36</a:t>
             </a:fld>
-            <a:endParaRPr lang="en-US"/>
-          </a:p>
-        </p:txBody>
-      </p:sp>
-      <p:sp>
-        <p:nvSpPr>
-          <p:cNvPr id="5" name="Rectangle 4"/>
-          <p:cNvSpPr/>
-          <p:nvPr/>
-        </p:nvSpPr>
-        <p:spPr>
-          <a:xfrm>
-            <a:off x="7010400" y="6019800"/>
-            <a:ext cx="2133600" cy="838200"/>
-          </a:xfrm>
-          <a:prstGeom prst="rect">
-            <a:avLst/>
-          </a:prstGeom>
-          <a:solidFill>
-            <a:schemeClr val="bg1"/>
-          </a:solidFill>
-          <a:ln>
-            <a:solidFill>
-              <a:schemeClr val="bg1"/>
-            </a:solidFill>
-          </a:ln>
-        </p:spPr>
-        <p:style>
-          <a:lnRef idx="2">
-            <a:schemeClr val="accent1">
-              <a:shade val="50000"/>
-            </a:schemeClr>
-          </a:lnRef>
-          <a:fillRef idx="1">
-            <a:schemeClr val="accent1"/>
-          </a:fillRef>
-          <a:effectRef idx="0">
-            <a:schemeClr val="accent1"/>
-          </a:effectRef>
-          <a:fontRef idx="minor">
-            <a:schemeClr val="lt1"/>
-          </a:fontRef>
-        </p:style>
-        <p:txBody>
-          <a:bodyPr rtlCol="0" anchor="ctr"/>
-          <a:lstStyle/>
-          <a:p>
-            <a:pPr algn="ctr"/>
             <a:endParaRPr lang="en-US"/>
           </a:p>
         </p:txBody>
@@ -29230,21 +29182,12 @@
 </file>
 
 <file path=customXml/item1.xml><?xml version="1.0" encoding="utf-8"?>
-<?mso-contentType ?>
-<FormTemplates xmlns="http://schemas.microsoft.com/sharepoint/v3/contenttype/forms">
-  <Display>DocumentLibraryForm</Display>
-  <Edit>DocumentLibraryForm</Edit>
-  <New>DocumentLibraryForm</New>
-</FormTemplates>
-</file>
-
-<file path=customXml/item2.xml><?xml version="1.0" encoding="utf-8"?>
 <p:properties xmlns:p="http://schemas.microsoft.com/office/2006/metadata/properties" xmlns:xsi="http://www.w3.org/2001/XMLSchema-instance">
   <documentManagement/>
 </p:properties>
 </file>
 
-<file path=customXml/item3.xml><?xml version="1.0" encoding="utf-8"?>
+<file path=customXml/item2.xml><?xml version="1.0" encoding="utf-8"?>
 <ct:contentTypeSchema xmlns:ct="http://schemas.microsoft.com/office/2006/metadata/contentType" xmlns:ma="http://schemas.microsoft.com/office/2006/metadata/properties/metaAttributes" ct:_="" ma:_="" ma:contentTypeName="Document" ma:contentTypeID="0x010100EBF98DF4C291A14C85D2BA6B16E94436" ma:contentTypeVersion="0" ma:contentTypeDescription="Create a new document." ma:contentTypeScope="" ma:versionID="9b00935dd70500517aee944b9acf93e0">
   <xsd:schema xmlns:xsd="http://www.w3.org/2001/XMLSchema" xmlns:xs="http://www.w3.org/2001/XMLSchema" xmlns:p="http://schemas.microsoft.com/office/2006/metadata/properties" targetNamespace="http://schemas.microsoft.com/office/2006/metadata/properties" ma:root="true" ma:fieldsID="c64490b4aec6201516c3a874156f37b2">
     <xsd:element name="properties">
@@ -29358,15 +29301,16 @@
 </ct:contentTypeSchema>
 </file>
 
-<file path=customXml/itemProps1.xml><?xml version="1.0" encoding="utf-8"?>
-<ds:datastoreItem xmlns:ds="http://schemas.openxmlformats.org/officeDocument/2006/customXml" ds:itemID="{5591AEA0-7EC5-4434-9ED9-0CCC0CD63CB2}">
-  <ds:schemaRefs>
-    <ds:schemaRef ds:uri="http://schemas.microsoft.com/sharepoint/v3/contenttype/forms"/>
-  </ds:schemaRefs>
-</ds:datastoreItem>
+<file path=customXml/item3.xml><?xml version="1.0" encoding="utf-8"?>
+<?mso-contentType ?>
+<FormTemplates xmlns="http://schemas.microsoft.com/sharepoint/v3/contenttype/forms">
+  <Display>DocumentLibraryForm</Display>
+  <Edit>DocumentLibraryForm</Edit>
+  <New>DocumentLibraryForm</New>
+</FormTemplates>
 </file>
 
-<file path=customXml/itemProps2.xml><?xml version="1.0" encoding="utf-8"?>
+<file path=customXml/itemProps1.xml><?xml version="1.0" encoding="utf-8"?>
 <ds:datastoreItem xmlns:ds="http://schemas.openxmlformats.org/officeDocument/2006/customXml" ds:itemID="{1CFFA24D-C4EA-4A1D-9472-71927AE5329F}">
   <ds:schemaRefs>
     <ds:schemaRef ds:uri="http://schemas.microsoft.com/office/infopath/2007/PartnerControls"/>
@@ -29381,7 +29325,7 @@
 </ds:datastoreItem>
 </file>
 
-<file path=customXml/itemProps3.xml><?xml version="1.0" encoding="utf-8"?>
+<file path=customXml/itemProps2.xml><?xml version="1.0" encoding="utf-8"?>
 <ds:datastoreItem xmlns:ds="http://schemas.openxmlformats.org/officeDocument/2006/customXml" ds:itemID="{52A30EE1-1ACB-4268-A426-0E6AD7552BB9}">
   <ds:schemaRefs>
     <ds:schemaRef ds:uri="http://schemas.microsoft.com/office/2006/metadata/contentType"/>
@@ -29395,4 +29339,12 @@
     <ds:schemaRef ds:uri="http://schemas.microsoft.com/office/infopath/2007/PartnerControls"/>
   </ds:schemaRefs>
 </ds:datastoreItem>
+</file>
+
+<file path=customXml/itemProps3.xml><?xml version="1.0" encoding="utf-8"?>
+<ds:datastoreItem xmlns:ds="http://schemas.openxmlformats.org/officeDocument/2006/customXml" ds:itemID="{5591AEA0-7EC5-4434-9ED9-0CCC0CD63CB2}">
+  <ds:schemaRefs>
+    <ds:schemaRef ds:uri="http://schemas.microsoft.com/sharepoint/v3/contenttype/forms"/>
+  </ds:schemaRefs>
+</ds:datastoreItem>
 </file>